--- a/Lectures/Water Quality.pptx
+++ b/Lectures/Water Quality.pptx
@@ -204,7 +204,7 @@
           <a:p>
             <a:fld id="{4BF1D571-48A3-4D6D-A15C-D8F4CDAA8703}" type="datetimeFigureOut">
               <a:rPr lang="en-US" smtClean="0"/>
-              <a:t>10/28/2019</a:t>
+              <a:t>10/29/2019</a:t>
             </a:fld>
             <a:endParaRPr lang="en-US"/>
           </a:p>
@@ -738,7 +738,7 @@
           <a:p>
             <a:fld id="{C95CED01-24E4-4C43-912C-6F6D3D954174}" type="datetimeFigureOut">
               <a:rPr lang="en-US" smtClean="0"/>
-              <a:t>10/28/2019</a:t>
+              <a:t>10/29/2019</a:t>
             </a:fld>
             <a:endParaRPr lang="en-US"/>
           </a:p>
@@ -3533,7 +3533,7 @@
           <a:p>
             <a:fld id="{C95CED01-24E4-4C43-912C-6F6D3D954174}" type="datetimeFigureOut">
               <a:rPr lang="en-US" smtClean="0"/>
-              <a:t>10/28/2019</a:t>
+              <a:t>10/29/2019</a:t>
             </a:fld>
             <a:endParaRPr lang="en-US"/>
           </a:p>
@@ -3797,7 +3797,7 @@
           <a:p>
             <a:fld id="{C95CED01-24E4-4C43-912C-6F6D3D954174}" type="datetimeFigureOut">
               <a:rPr lang="en-US" smtClean="0"/>
-              <a:t>10/28/2019</a:t>
+              <a:t>10/29/2019</a:t>
             </a:fld>
             <a:endParaRPr lang="en-US"/>
           </a:p>
@@ -4026,7 +4026,7 @@
           <a:p>
             <a:fld id="{C95CED01-24E4-4C43-912C-6F6D3D954174}" type="datetimeFigureOut">
               <a:rPr lang="en-US" smtClean="0"/>
-              <a:t>10/28/2019</a:t>
+              <a:t>10/29/2019</a:t>
             </a:fld>
             <a:endParaRPr lang="en-US"/>
           </a:p>
@@ -4329,7 +4329,7 @@
           <a:p>
             <a:fld id="{C95CED01-24E4-4C43-912C-6F6D3D954174}" type="datetimeFigureOut">
               <a:rPr lang="en-US" smtClean="0"/>
-              <a:t>10/28/2019</a:t>
+              <a:t>10/29/2019</a:t>
             </a:fld>
             <a:endParaRPr lang="en-US"/>
           </a:p>
@@ -4771,7 +4771,7 @@
           <a:p>
             <a:fld id="{C95CED01-24E4-4C43-912C-6F6D3D954174}" type="datetimeFigureOut">
               <a:rPr lang="en-US" smtClean="0"/>
-              <a:t>10/28/2019</a:t>
+              <a:t>10/29/2019</a:t>
             </a:fld>
             <a:endParaRPr lang="en-US"/>
           </a:p>
@@ -4904,7 +4904,7 @@
           <a:p>
             <a:fld id="{C95CED01-24E4-4C43-912C-6F6D3D954174}" type="datetimeFigureOut">
               <a:rPr lang="en-US" smtClean="0"/>
-              <a:t>10/28/2019</a:t>
+              <a:t>10/29/2019</a:t>
             </a:fld>
             <a:endParaRPr lang="en-US"/>
           </a:p>
@@ -5014,7 +5014,7 @@
           <a:p>
             <a:fld id="{C95CED01-24E4-4C43-912C-6F6D3D954174}" type="datetimeFigureOut">
               <a:rPr lang="en-US" smtClean="0"/>
-              <a:t>10/28/2019</a:t>
+              <a:t>10/29/2019</a:t>
             </a:fld>
             <a:endParaRPr lang="en-US"/>
           </a:p>
@@ -5160,7 +5160,7 @@
           <a:p>
             <a:fld id="{C95CED01-24E4-4C43-912C-6F6D3D954174}" type="datetimeFigureOut">
               <a:rPr lang="en-US" smtClean="0"/>
-              <a:t>10/28/2019</a:t>
+              <a:t>10/29/2019</a:t>
             </a:fld>
             <a:endParaRPr lang="en-US"/>
           </a:p>
@@ -5960,7 +5960,7 @@
           <a:p>
             <a:fld id="{C95CED01-24E4-4C43-912C-6F6D3D954174}" type="datetimeFigureOut">
               <a:rPr lang="en-US" smtClean="0"/>
-              <a:t>10/28/2019</a:t>
+              <a:t>10/29/2019</a:t>
             </a:fld>
             <a:endParaRPr lang="en-US"/>
           </a:p>
@@ -8968,7 +8968,7 @@
           <a:p>
             <a:fld id="{C95CED01-24E4-4C43-912C-6F6D3D954174}" type="datetimeFigureOut">
               <a:rPr lang="en-US" smtClean="0"/>
-              <a:t>10/28/2019</a:t>
+              <a:t>10/29/2019</a:t>
             </a:fld>
             <a:endParaRPr lang="en-US"/>
           </a:p>
@@ -9219,7 +9219,7 @@
           <a:p>
             <a:fld id="{C95CED01-24E4-4C43-912C-6F6D3D954174}" type="datetimeFigureOut">
               <a:rPr lang="en-US" smtClean="0"/>
-              <a:t>10/28/2019</a:t>
+              <a:t>10/29/2019</a:t>
             </a:fld>
             <a:endParaRPr lang="en-US"/>
           </a:p>
@@ -9329,7 +9329,7 @@
           <a:p>
             <a:fld id="{C95CED01-24E4-4C43-912C-6F6D3D954174}" type="datetimeFigureOut">
               <a:rPr lang="en-US" smtClean="0"/>
-              <a:t>10/28/2019</a:t>
+              <a:t>10/29/2019</a:t>
             </a:fld>
             <a:endParaRPr lang="en-US"/>
           </a:p>
@@ -9475,7 +9475,7 @@
           <a:p>
             <a:fld id="{C95CED01-24E4-4C43-912C-6F6D3D954174}" type="datetimeFigureOut">
               <a:rPr lang="en-US" smtClean="0"/>
-              <a:t>10/28/2019</a:t>
+              <a:t>10/29/2019</a:t>
             </a:fld>
             <a:endParaRPr lang="en-US"/>
           </a:p>
@@ -10228,7 +10228,7 @@
           <a:p>
             <a:fld id="{C95CED01-24E4-4C43-912C-6F6D3D954174}" type="datetimeFigureOut">
               <a:rPr lang="en-US" smtClean="0"/>
-              <a:t>10/28/2019</a:t>
+              <a:t>10/29/2019</a:t>
             </a:fld>
             <a:endParaRPr lang="en-US"/>
           </a:p>
@@ -12496,7 +12496,7 @@
           <a:p>
             <a:fld id="{C95CED01-24E4-4C43-912C-6F6D3D954174}" type="datetimeFigureOut">
               <a:rPr lang="en-US" smtClean="0"/>
-              <a:t>10/28/2019</a:t>
+              <a:t>10/29/2019</a:t>
             </a:fld>
             <a:endParaRPr lang="en-US"/>
           </a:p>
@@ -14643,7 +14643,11 @@
           <a:p>
             <a:r>
               <a:rPr lang="en-US" dirty="0" smtClean="0"/>
-              <a:t>Water Quality</a:t>
+              <a:t>Water </a:t>
+            </a:r>
+            <a:r>
+              <a:rPr lang="en-US" dirty="0" smtClean="0"/>
+              <a:t>Quality:</a:t>
             </a:r>
             <a:r>
               <a:rPr lang="en-US" dirty="0"/>
@@ -14654,7 +14658,11 @@
             </a:br>
             <a:r>
               <a:rPr lang="en-US" dirty="0" smtClean="0"/>
-              <a:t>Regulations</a:t>
+              <a:t>Regulations and </a:t>
+            </a:r>
+            <a:r>
+              <a:rPr lang="en-US" dirty="0" smtClean="0"/>
+              <a:t/>
             </a:r>
             <a:br>
               <a:rPr lang="en-US" dirty="0" smtClean="0"/>

--- a/Lectures/Water Quality.pptx
+++ b/Lectures/Water Quality.pptx
@@ -10,12 +10,13 @@
     <p:sldMasterId id="2147483699" r:id="rId6"/>
   </p:sldMasterIdLst>
   <p:notesMasterIdLst>
-    <p:notesMasterId r:id="rId10"/>
+    <p:notesMasterId r:id="rId11"/>
   </p:notesMasterIdLst>
   <p:sldIdLst>
     <p:sldId id="256" r:id="rId7"/>
     <p:sldId id="257" r:id="rId8"/>
     <p:sldId id="258" r:id="rId9"/>
+    <p:sldId id="259" r:id="rId10"/>
   </p:sldIdLst>
   <p:sldSz cx="12192000" cy="6858000"/>
   <p:notesSz cx="6858000" cy="9144000"/>
@@ -204,7 +205,7 @@
           <a:p>
             <a:fld id="{4BF1D571-48A3-4D6D-A15C-D8F4CDAA8703}" type="datetimeFigureOut">
               <a:rPr lang="en-US" smtClean="0"/>
-              <a:t>10/29/2019</a:t>
+              <a:t>1/23/2020</a:t>
             </a:fld>
             <a:endParaRPr lang="en-US"/>
           </a:p>
@@ -738,7 +739,7 @@
           <a:p>
             <a:fld id="{C95CED01-24E4-4C43-912C-6F6D3D954174}" type="datetimeFigureOut">
               <a:rPr lang="en-US" smtClean="0"/>
-              <a:t>10/29/2019</a:t>
+              <a:t>1/23/2020</a:t>
             </a:fld>
             <a:endParaRPr lang="en-US"/>
           </a:p>
@@ -3533,7 +3534,7 @@
           <a:p>
             <a:fld id="{C95CED01-24E4-4C43-912C-6F6D3D954174}" type="datetimeFigureOut">
               <a:rPr lang="en-US" smtClean="0"/>
-              <a:t>10/29/2019</a:t>
+              <a:t>1/23/2020</a:t>
             </a:fld>
             <a:endParaRPr lang="en-US"/>
           </a:p>
@@ -3797,7 +3798,7 @@
           <a:p>
             <a:fld id="{C95CED01-24E4-4C43-912C-6F6D3D954174}" type="datetimeFigureOut">
               <a:rPr lang="en-US" smtClean="0"/>
-              <a:t>10/29/2019</a:t>
+              <a:t>1/23/2020</a:t>
             </a:fld>
             <a:endParaRPr lang="en-US"/>
           </a:p>
@@ -4026,7 +4027,7 @@
           <a:p>
             <a:fld id="{C95CED01-24E4-4C43-912C-6F6D3D954174}" type="datetimeFigureOut">
               <a:rPr lang="en-US" smtClean="0"/>
-              <a:t>10/29/2019</a:t>
+              <a:t>1/23/2020</a:t>
             </a:fld>
             <a:endParaRPr lang="en-US"/>
           </a:p>
@@ -4329,7 +4330,7 @@
           <a:p>
             <a:fld id="{C95CED01-24E4-4C43-912C-6F6D3D954174}" type="datetimeFigureOut">
               <a:rPr lang="en-US" smtClean="0"/>
-              <a:t>10/29/2019</a:t>
+              <a:t>1/23/2020</a:t>
             </a:fld>
             <a:endParaRPr lang="en-US"/>
           </a:p>
@@ -4771,7 +4772,7 @@
           <a:p>
             <a:fld id="{C95CED01-24E4-4C43-912C-6F6D3D954174}" type="datetimeFigureOut">
               <a:rPr lang="en-US" smtClean="0"/>
-              <a:t>10/29/2019</a:t>
+              <a:t>1/23/2020</a:t>
             </a:fld>
             <a:endParaRPr lang="en-US"/>
           </a:p>
@@ -4904,7 +4905,7 @@
           <a:p>
             <a:fld id="{C95CED01-24E4-4C43-912C-6F6D3D954174}" type="datetimeFigureOut">
               <a:rPr lang="en-US" smtClean="0"/>
-              <a:t>10/29/2019</a:t>
+              <a:t>1/23/2020</a:t>
             </a:fld>
             <a:endParaRPr lang="en-US"/>
           </a:p>
@@ -5014,7 +5015,7 @@
           <a:p>
             <a:fld id="{C95CED01-24E4-4C43-912C-6F6D3D954174}" type="datetimeFigureOut">
               <a:rPr lang="en-US" smtClean="0"/>
-              <a:t>10/29/2019</a:t>
+              <a:t>1/23/2020</a:t>
             </a:fld>
             <a:endParaRPr lang="en-US"/>
           </a:p>
@@ -5160,7 +5161,7 @@
           <a:p>
             <a:fld id="{C95CED01-24E4-4C43-912C-6F6D3D954174}" type="datetimeFigureOut">
               <a:rPr lang="en-US" smtClean="0"/>
-              <a:t>10/29/2019</a:t>
+              <a:t>1/23/2020</a:t>
             </a:fld>
             <a:endParaRPr lang="en-US"/>
           </a:p>
@@ -5960,7 +5961,7 @@
           <a:p>
             <a:fld id="{C95CED01-24E4-4C43-912C-6F6D3D954174}" type="datetimeFigureOut">
               <a:rPr lang="en-US" smtClean="0"/>
-              <a:t>10/29/2019</a:t>
+              <a:t>1/23/2020</a:t>
             </a:fld>
             <a:endParaRPr lang="en-US"/>
           </a:p>
@@ -8968,7 +8969,7 @@
           <a:p>
             <a:fld id="{C95CED01-24E4-4C43-912C-6F6D3D954174}" type="datetimeFigureOut">
               <a:rPr lang="en-US" smtClean="0"/>
-              <a:t>10/29/2019</a:t>
+              <a:t>1/23/2020</a:t>
             </a:fld>
             <a:endParaRPr lang="en-US"/>
           </a:p>
@@ -9219,7 +9220,7 @@
           <a:p>
             <a:fld id="{C95CED01-24E4-4C43-912C-6F6D3D954174}" type="datetimeFigureOut">
               <a:rPr lang="en-US" smtClean="0"/>
-              <a:t>10/29/2019</a:t>
+              <a:t>1/23/2020</a:t>
             </a:fld>
             <a:endParaRPr lang="en-US"/>
           </a:p>
@@ -9329,7 +9330,7 @@
           <a:p>
             <a:fld id="{C95CED01-24E4-4C43-912C-6F6D3D954174}" type="datetimeFigureOut">
               <a:rPr lang="en-US" smtClean="0"/>
-              <a:t>10/29/2019</a:t>
+              <a:t>1/23/2020</a:t>
             </a:fld>
             <a:endParaRPr lang="en-US"/>
           </a:p>
@@ -9475,7 +9476,7 @@
           <a:p>
             <a:fld id="{C95CED01-24E4-4C43-912C-6F6D3D954174}" type="datetimeFigureOut">
               <a:rPr lang="en-US" smtClean="0"/>
-              <a:t>10/29/2019</a:t>
+              <a:t>1/23/2020</a:t>
             </a:fld>
             <a:endParaRPr lang="en-US"/>
           </a:p>
@@ -10228,7 +10229,7 @@
           <a:p>
             <a:fld id="{C95CED01-24E4-4C43-912C-6F6D3D954174}" type="datetimeFigureOut">
               <a:rPr lang="en-US" smtClean="0"/>
-              <a:t>10/29/2019</a:t>
+              <a:t>1/23/2020</a:t>
             </a:fld>
             <a:endParaRPr lang="en-US"/>
           </a:p>
@@ -12496,7 +12497,7 @@
           <a:p>
             <a:fld id="{C95CED01-24E4-4C43-912C-6F6D3D954174}" type="datetimeFigureOut">
               <a:rPr lang="en-US" smtClean="0"/>
-              <a:t>10/29/2019</a:t>
+              <a:t>1/23/2020</a:t>
             </a:fld>
             <a:endParaRPr lang="en-US"/>
           </a:p>
@@ -14643,11 +14644,7 @@
           <a:p>
             <a:r>
               <a:rPr lang="en-US" dirty="0" smtClean="0"/>
-              <a:t>Water </a:t>
-            </a:r>
-            <a:r>
-              <a:rPr lang="en-US" dirty="0" smtClean="0"/>
-              <a:t>Quality:</a:t>
+              <a:t>Water Quality:</a:t>
             </a:r>
             <a:r>
               <a:rPr lang="en-US" dirty="0"/>
@@ -14659,10 +14656,6 @@
             <a:r>
               <a:rPr lang="en-US" dirty="0" smtClean="0"/>
               <a:t>Regulations and </a:t>
-            </a:r>
-            <a:r>
-              <a:rPr lang="en-US" dirty="0" smtClean="0"/>
-              <a:t/>
             </a:r>
             <a:br>
               <a:rPr lang="en-US" dirty="0" smtClean="0"/>
@@ -14747,62 +14740,90 @@
           <a:lstStyle/>
           <a:p>
             <a:r>
-              <a:rPr lang="en-US" dirty="0" smtClean="0"/>
+              <a:rPr lang="en-US" sz="2800" dirty="0" smtClean="0"/>
               <a:t>World Health Organization: </a:t>
             </a:r>
             <a:r>
-              <a:rPr lang="en-US" dirty="0" smtClean="0">
+              <a:rPr lang="en-US" sz="2800" dirty="0" smtClean="0">
                 <a:hlinkClick r:id="rId3"/>
               </a:rPr>
               <a:t>Water Quality Guidelines</a:t>
             </a:r>
-            <a:endParaRPr lang="en-US" dirty="0" smtClean="0"/>
+            <a:endParaRPr lang="en-US" sz="2800" dirty="0" smtClean="0"/>
           </a:p>
           <a:p>
             <a:pPr lvl="1"/>
             <a:r>
-              <a:rPr lang="en-US" dirty="0"/>
+              <a:rPr lang="en-US" sz="2400" dirty="0"/>
               <a:t>WHO produces international norms on water quality and human health in the form of guidelines that are used as the basis for regulation and standard setting world-wide</a:t>
             </a:r>
             <a:r>
-              <a:rPr lang="en-US" dirty="0" smtClean="0"/>
+              <a:rPr lang="en-US" sz="2400" dirty="0" smtClean="0"/>
               <a:t>.</a:t>
             </a:r>
           </a:p>
           <a:p>
             <a:pPr lvl="1"/>
             <a:r>
-              <a:rPr lang="en-US" dirty="0">
+              <a:rPr lang="en-US" sz="2400" dirty="0">
                 <a:hlinkClick r:id="rId4"/>
               </a:rPr>
               <a:t>Guidelines for drinking-water </a:t>
             </a:r>
             <a:r>
-              <a:rPr lang="en-US" dirty="0" smtClean="0">
+              <a:rPr lang="en-US" sz="2400" dirty="0" smtClean="0">
                 <a:hlinkClick r:id="rId4"/>
               </a:rPr>
               <a:t>quality</a:t>
             </a:r>
-            <a:endParaRPr lang="en-US" dirty="0"/>
-          </a:p>
-          <a:p>
-            <a:r>
-              <a:rPr lang="en-US" dirty="0" smtClean="0"/>
-              <a:t>United States Environmental Protection Agency</a:t>
-            </a:r>
-          </a:p>
-          <a:p>
-            <a:pPr lvl="1"/>
-            <a:r>
-              <a:rPr lang="en-US" dirty="0">
+            <a:endParaRPr lang="en-US" sz="2400" dirty="0"/>
+          </a:p>
+          <a:p>
+            <a:r>
+              <a:rPr lang="en-US" sz="2800" dirty="0" smtClean="0"/>
+              <a:t>United States Environmental Protection </a:t>
+            </a:r>
+            <a:r>
+              <a:rPr lang="en-US" sz="2800" dirty="0" smtClean="0"/>
+              <a:t>Agency: </a:t>
+            </a:r>
+            <a:r>
+              <a:rPr lang="en-US" sz="2800" dirty="0" smtClean="0">
                 <a:hlinkClick r:id="rId5"/>
               </a:rPr>
+              <a:t>Drinking Water</a:t>
+            </a:r>
+            <a:endParaRPr lang="en-US" sz="2800" dirty="0" smtClean="0"/>
+          </a:p>
+          <a:p>
+            <a:pPr lvl="1"/>
+            <a:r>
+              <a:rPr lang="en-US" sz="2400" dirty="0">
+                <a:hlinkClick r:id="rId6"/>
+              </a:rPr>
               <a:t>EPA delegates primary enforcement responsibility (also called primacy) </a:t>
             </a:r>
             <a:r>
-              <a:rPr lang="en-US" dirty="0"/>
-              <a:t>for public water systems to states and Indian Tribes if they meet certain requirements. EPA recently released revisions to the primacy requirements</a:t>
-            </a:r>
+              <a:rPr lang="en-US" sz="2400" dirty="0"/>
+              <a:t>for public water systems to states and Indian Tribes if they meet certain requirements. EPA recently released revisions to the primacy </a:t>
+            </a:r>
+            <a:r>
+              <a:rPr lang="en-US" sz="2400" dirty="0" smtClean="0"/>
+              <a:t>requirements</a:t>
+            </a:r>
+          </a:p>
+          <a:p>
+            <a:r>
+              <a:rPr lang="en-US" sz="2800" dirty="0">
+                <a:hlinkClick r:id="rId7"/>
+              </a:rPr>
+              <a:t>California Regulations Related to Drinking Water</a:t>
+            </a:r>
+            <a:endParaRPr lang="en-US" sz="2800" dirty="0" smtClean="0"/>
+          </a:p>
+          <a:p>
+            <a:pPr lvl="1"/>
+            <a:endParaRPr lang="en-US" sz="2400" dirty="0"/>
           </a:p>
         </p:txBody>
       </p:sp>
@@ -14870,11 +14891,16 @@
           </p:cNvGraphicFramePr>
           <p:nvPr>
             <p:ph idx="1"/>
+            <p:extLst>
+              <p:ext uri="{D42A27DB-BD31-4B8C-83A1-F6EECF244321}">
+                <p14:modId xmlns:p14="http://schemas.microsoft.com/office/powerpoint/2010/main" val="4105670791"/>
+              </p:ext>
+            </p:extLst>
           </p:nvPr>
         </p:nvGraphicFramePr>
         <p:xfrm>
           <a:off x="609600" y="1760061"/>
-          <a:ext cx="10972800" cy="4206240"/>
+          <a:ext cx="10972800" cy="4846320"/>
         </p:xfrm>
         <a:graphic>
           <a:graphicData uri="http://schemas.openxmlformats.org/drawingml/2006/table">
@@ -15085,7 +15111,7 @@
                         <a:buChar char="•"/>
                       </a:pPr>
                       <a:r>
-                        <a:rPr lang="en-US">
+                        <a:rPr lang="en-US" dirty="0">
                           <a:solidFill>
                             <a:srgbClr val="4C2C92"/>
                           </a:solidFill>
@@ -15094,7 +15120,7 @@
                         </a:rPr>
                         <a:t>Arsenic rule</a:t>
                       </a:r>
-                      <a:endParaRPr lang="en-US">
+                      <a:endParaRPr lang="en-US" dirty="0">
                         <a:effectLst/>
                       </a:endParaRPr>
                     </a:p>
@@ -15104,7 +15130,7 @@
                         <a:buChar char="•"/>
                       </a:pPr>
                       <a:r>
-                        <a:rPr lang="en-US">
+                        <a:rPr lang="en-US" dirty="0">
                           <a:solidFill>
                             <a:srgbClr val="4C2C92"/>
                           </a:solidFill>
@@ -15113,7 +15139,7 @@
                         </a:rPr>
                         <a:t>Chemical contaminant rules</a:t>
                       </a:r>
-                      <a:endParaRPr lang="en-US">
+                      <a:endParaRPr lang="en-US" dirty="0">
                         <a:effectLst/>
                       </a:endParaRPr>
                     </a:p>
@@ -15123,7 +15149,7 @@
                         <a:buChar char="•"/>
                       </a:pPr>
                       <a:r>
-                        <a:rPr lang="en-US">
+                        <a:rPr lang="en-US" dirty="0">
                           <a:solidFill>
                             <a:srgbClr val="4C2C92"/>
                           </a:solidFill>
@@ -15132,7 +15158,7 @@
                         </a:rPr>
                         <a:t>Lead and copper rule</a:t>
                       </a:r>
-                      <a:endParaRPr lang="en-US">
+                      <a:endParaRPr lang="en-US" dirty="0">
                         <a:effectLst/>
                       </a:endParaRPr>
                     </a:p>
@@ -15142,7 +15168,7 @@
                         <a:buChar char="•"/>
                       </a:pPr>
                       <a:r>
-                        <a:rPr lang="en-US">
+                        <a:rPr lang="en-US" dirty="0">
                           <a:solidFill>
                             <a:srgbClr val="4C2C92"/>
                           </a:solidFill>
@@ -15151,7 +15177,7 @@
                         </a:rPr>
                         <a:t>Radionuclides rule</a:t>
                       </a:r>
-                      <a:endParaRPr lang="en-US">
+                      <a:endParaRPr lang="en-US" dirty="0">
                         <a:effectLst/>
                       </a:endParaRPr>
                     </a:p>
@@ -15161,7 +15187,7 @@
                         <a:buChar char="•"/>
                       </a:pPr>
                       <a:r>
-                        <a:rPr lang="en-US">
+                        <a:rPr lang="en-US" dirty="0">
                           <a:solidFill>
                             <a:srgbClr val="4C2C92"/>
                           </a:solidFill>
@@ -15170,7 +15196,7 @@
                         </a:rPr>
                         <a:t>Variance and exemptions rule</a:t>
                       </a:r>
-                      <a:endParaRPr lang="en-US">
+                      <a:endParaRPr lang="en-US" dirty="0">
                         <a:effectLst/>
                       </a:endParaRPr>
                     </a:p>
@@ -15293,7 +15319,7 @@
                         <a:buChar char="•"/>
                       </a:pPr>
                       <a:r>
-                        <a:rPr lang="en-US">
+                        <a:rPr lang="en-US" dirty="0">
                           <a:solidFill>
                             <a:srgbClr val="4C2C92"/>
                           </a:solidFill>
@@ -15302,7 +15328,7 @@
                         </a:rPr>
                         <a:t>Aircraft drinking water rule</a:t>
                       </a:r>
-                      <a:endParaRPr lang="en-US">
+                      <a:endParaRPr lang="en-US" dirty="0">
                         <a:effectLst/>
                       </a:endParaRPr>
                     </a:p>
@@ -15312,7 +15338,7 @@
                         <a:buChar char="•"/>
                       </a:pPr>
                       <a:r>
-                        <a:rPr lang="en-US">
+                        <a:rPr lang="en-US" dirty="0">
                           <a:solidFill>
                             <a:srgbClr val="4C2C92"/>
                           </a:solidFill>
@@ -15321,7 +15347,7 @@
                         </a:rPr>
                         <a:t>Ground water rule</a:t>
                       </a:r>
-                      <a:endParaRPr lang="en-US">
+                      <a:endParaRPr lang="en-US" dirty="0">
                         <a:effectLst/>
                       </a:endParaRPr>
                     </a:p>
@@ -15331,7 +15357,7 @@
                         <a:buChar char="•"/>
                       </a:pPr>
                       <a:r>
-                        <a:rPr lang="en-US">
+                        <a:rPr lang="en-US" dirty="0">
                           <a:solidFill>
                             <a:srgbClr val="4C2C92"/>
                           </a:solidFill>
@@ -15340,7 +15366,7 @@
                         </a:rPr>
                         <a:t>Stage 1 and stage 2 disinfectant/disinfection byproducts rule</a:t>
                       </a:r>
-                      <a:endParaRPr lang="en-US">
+                      <a:endParaRPr lang="en-US" dirty="0">
                         <a:effectLst/>
                       </a:endParaRPr>
                     </a:p>
@@ -15350,7 +15376,7 @@
                         <a:buChar char="•"/>
                       </a:pPr>
                       <a:r>
-                        <a:rPr lang="en-US">
+                        <a:rPr lang="en-US" dirty="0">
                           <a:solidFill>
                             <a:srgbClr val="4C2C92"/>
                           </a:solidFill>
@@ -15359,7 +15385,7 @@
                         </a:rPr>
                         <a:t>Surface water treatment rules</a:t>
                       </a:r>
-                      <a:endParaRPr lang="en-US">
+                      <a:endParaRPr lang="en-US" dirty="0">
                         <a:effectLst/>
                       </a:endParaRPr>
                     </a:p>
@@ -15369,7 +15395,7 @@
                         <a:buChar char="•"/>
                       </a:pPr>
                       <a:r>
-                        <a:rPr lang="en-US">
+                        <a:rPr lang="en-US" dirty="0">
                           <a:solidFill>
                             <a:srgbClr val="4C2C92"/>
                           </a:solidFill>
@@ -15378,7 +15404,7 @@
                         </a:rPr>
                         <a:t>Total coliform rule and revised total coliform rule</a:t>
                       </a:r>
-                      <a:endParaRPr lang="en-US">
+                      <a:endParaRPr lang="en-US" dirty="0">
                         <a:effectLst/>
                       </a:endParaRPr>
                     </a:p>
@@ -15582,6 +15608,168 @@
                   </a:ext>
                 </a:extLst>
               </a:tr>
+              <a:tr h="0">
+                <a:tc>
+                  <a:txBody>
+                    <a:bodyPr/>
+                    <a:lstStyle/>
+                    <a:p>
+                      <a:pPr algn="l" fontAlgn="ctr"/>
+                      <a:r>
+                        <a:rPr lang="en-US" b="1" dirty="0" smtClean="0">
+                          <a:effectLst/>
+                          <a:hlinkClick r:id="rId14"/>
+                        </a:rPr>
+                        <a:t>Contaminant Candidate List (CCL)</a:t>
+                      </a:r>
+                      <a:endParaRPr lang="en-US" b="1" dirty="0">
+                        <a:effectLst/>
+                      </a:endParaRPr>
+                    </a:p>
+                  </a:txBody>
+                  <a:tcPr anchor="ctr">
+                    <a:lnL w="7620" cap="flat" cmpd="sng" algn="ctr">
+                      <a:solidFill>
+                        <a:srgbClr val="5B616B"/>
+                      </a:solidFill>
+                      <a:prstDash val="solid"/>
+                      <a:round/>
+                      <a:headEnd type="none" w="med" len="med"/>
+                      <a:tailEnd type="none" w="med" len="med"/>
+                    </a:lnL>
+                    <a:lnR w="7620" cap="flat" cmpd="sng" algn="ctr">
+                      <a:solidFill>
+                        <a:srgbClr val="5B616B"/>
+                      </a:solidFill>
+                      <a:prstDash val="solid"/>
+                      <a:round/>
+                      <a:headEnd type="none" w="med" len="med"/>
+                      <a:tailEnd type="none" w="med" len="med"/>
+                    </a:lnR>
+                    <a:lnT w="7620" cap="flat" cmpd="sng" algn="ctr">
+                      <a:solidFill>
+                        <a:srgbClr val="5B616B"/>
+                      </a:solidFill>
+                      <a:prstDash val="solid"/>
+                      <a:round/>
+                      <a:headEnd type="none" w="med" len="med"/>
+                      <a:tailEnd type="none" w="med" len="med"/>
+                    </a:lnT>
+                    <a:lnB w="7620" cap="flat" cmpd="sng" algn="ctr">
+                      <a:solidFill>
+                        <a:srgbClr val="5B616B"/>
+                      </a:solidFill>
+                      <a:prstDash val="solid"/>
+                      <a:round/>
+                      <a:headEnd type="none" w="med" len="med"/>
+                      <a:tailEnd type="none" w="med" len="med"/>
+                    </a:lnB>
+                    <a:solidFill>
+                      <a:srgbClr val="FFFFFF"/>
+                    </a:solidFill>
+                  </a:tcPr>
+                </a:tc>
+                <a:tc>
+                  <a:txBody>
+                    <a:bodyPr/>
+                    <a:lstStyle/>
+                    <a:p>
+                      <a:pPr algn="l">
+                        <a:buFont typeface="Arial" panose="020B0604020202020204" pitchFamily="34" charset="0"/>
+                        <a:buChar char="•"/>
+                      </a:pPr>
+                      <a:r>
+                        <a:rPr lang="en-US" b="0" i="0" dirty="0" smtClean="0">
+                          <a:solidFill>
+                            <a:srgbClr val="4C2C92"/>
+                          </a:solidFill>
+                          <a:effectLst/>
+                          <a:latin typeface="Source Sans Pro"/>
+                          <a:hlinkClick r:id="rId15"/>
+                        </a:rPr>
+                        <a:t>Table of Current Drinking Water Standards</a:t>
+                      </a:r>
+                      <a:endParaRPr lang="en-US" b="0" i="0" dirty="0" smtClean="0">
+                        <a:solidFill>
+                          <a:srgbClr val="212121"/>
+                        </a:solidFill>
+                        <a:effectLst/>
+                        <a:latin typeface="Source Sans Pro"/>
+                      </a:endParaRPr>
+                    </a:p>
+                    <a:p>
+                      <a:pPr algn="l">
+                        <a:buFont typeface="Arial" panose="020B0604020202020204" pitchFamily="34" charset="0"/>
+                        <a:buChar char="•"/>
+                      </a:pPr>
+                      <a:r>
+                        <a:rPr lang="en-US" b="0" i="0" dirty="0" smtClean="0">
+                          <a:solidFill>
+                            <a:srgbClr val="4C2C92"/>
+                          </a:solidFill>
+                          <a:effectLst/>
+                          <a:latin typeface="Source Sans Pro"/>
+                          <a:hlinkClick r:id="rId16"/>
+                        </a:rPr>
+                        <a:t>Unregulated Contaminant Monitoring</a:t>
+                      </a:r>
+                      <a:endParaRPr lang="en-US" b="0" i="0" dirty="0" smtClean="0">
+                        <a:solidFill>
+                          <a:srgbClr val="212121"/>
+                        </a:solidFill>
+                        <a:effectLst/>
+                        <a:latin typeface="Source Sans Pro"/>
+                      </a:endParaRPr>
+                    </a:p>
+                  </a:txBody>
+                  <a:tcPr anchor="ctr">
+                    <a:lnL w="7620" cap="flat" cmpd="sng" algn="ctr">
+                      <a:solidFill>
+                        <a:srgbClr val="5B616B"/>
+                      </a:solidFill>
+                      <a:prstDash val="solid"/>
+                      <a:round/>
+                      <a:headEnd type="none" w="med" len="med"/>
+                      <a:tailEnd type="none" w="med" len="med"/>
+                    </a:lnL>
+                    <a:lnR w="7620" cap="flat" cmpd="sng" algn="ctr">
+                      <a:solidFill>
+                        <a:srgbClr val="5B616B"/>
+                      </a:solidFill>
+                      <a:prstDash val="solid"/>
+                      <a:round/>
+                      <a:headEnd type="none" w="med" len="med"/>
+                      <a:tailEnd type="none" w="med" len="med"/>
+                    </a:lnR>
+                    <a:lnT w="7620" cap="flat" cmpd="sng" algn="ctr">
+                      <a:solidFill>
+                        <a:srgbClr val="5B616B"/>
+                      </a:solidFill>
+                      <a:prstDash val="solid"/>
+                      <a:round/>
+                      <a:headEnd type="none" w="med" len="med"/>
+                      <a:tailEnd type="none" w="med" len="med"/>
+                    </a:lnT>
+                    <a:lnB w="7620" cap="flat" cmpd="sng" algn="ctr">
+                      <a:solidFill>
+                        <a:srgbClr val="5B616B"/>
+                      </a:solidFill>
+                      <a:prstDash val="solid"/>
+                      <a:round/>
+                      <a:headEnd type="none" w="med" len="med"/>
+                      <a:tailEnd type="none" w="med" len="med"/>
+                    </a:lnB>
+                    <a:solidFill>
+                      <a:srgbClr val="FFFFFF"/>
+                    </a:solidFill>
+                  </a:tcPr>
+                </a:tc>
+                <a:extLst>
+                  <a:ext uri="{0D108BD9-81ED-4DB2-BD59-A6C34878D82A}">
+                    <a16:rowId xmlns:a16="http://schemas.microsoft.com/office/drawing/2014/main" val="1681455988"/>
+                  </a:ext>
+                </a:extLst>
+              </a:tr>
             </a:tbl>
           </a:graphicData>
         </a:graphic>
@@ -15606,6 +15794,97 @@
       </p:par>
     </p:tnLst>
   </p:timing>
+</p:sld>
+</file>
+
+<file path=ppt/slides/slide4.xml><?xml version="1.0" encoding="utf-8"?>
+<p:sld xmlns:a="http://schemas.openxmlformats.org/drawingml/2006/main" xmlns:r="http://schemas.openxmlformats.org/officeDocument/2006/relationships" xmlns:p="http://schemas.openxmlformats.org/presentationml/2006/main">
+  <p:cSld>
+    <p:spTree>
+      <p:nvGrpSpPr>
+        <p:cNvPr id="1" name=""/>
+        <p:cNvGrpSpPr/>
+        <p:nvPr/>
+      </p:nvGrpSpPr>
+      <p:grpSpPr>
+        <a:xfrm>
+          <a:off x="0" y="0"/>
+          <a:ext cx="0" cy="0"/>
+          <a:chOff x="0" y="0"/>
+          <a:chExt cx="0" cy="0"/>
+        </a:xfrm>
+      </p:grpSpPr>
+      <p:sp>
+        <p:nvSpPr>
+          <p:cNvPr id="2" name="Title 1"/>
+          <p:cNvSpPr>
+            <a:spLocks noGrp="1"/>
+          </p:cNvSpPr>
+          <p:nvPr>
+            <p:ph type="title"/>
+          </p:nvPr>
+        </p:nvSpPr>
+        <p:spPr/>
+        <p:txBody>
+          <a:bodyPr/>
+          <a:lstStyle/>
+          <a:p>
+            <a:r>
+              <a:rPr lang="en-US" dirty="0" smtClean="0"/>
+              <a:t>Contaminants?</a:t>
+            </a:r>
+            <a:endParaRPr lang="en-US" dirty="0"/>
+          </a:p>
+        </p:txBody>
+      </p:sp>
+      <p:sp>
+        <p:nvSpPr>
+          <p:cNvPr id="3" name="Content Placeholder 2"/>
+          <p:cNvSpPr>
+            <a:spLocks noGrp="1"/>
+          </p:cNvSpPr>
+          <p:nvPr>
+            <p:ph idx="1"/>
+          </p:nvPr>
+        </p:nvSpPr>
+        <p:spPr/>
+        <p:txBody>
+          <a:bodyPr/>
+          <a:lstStyle/>
+          <a:p>
+            <a:r>
+              <a:rPr lang="en-US" dirty="0"/>
+              <a:t>The Safe Drinking Water Act (SDWA) defines "contaminant" as any physical, chemical, biological or radiological substance or matter in water. Drinking water may reasonably be expected to contain at least small amounts of some contaminants. Some contaminants may be harmful if consumed at certain levels in drinking water. The presence of contaminants does not necessarily indicate that the water poses a health risk</a:t>
+            </a:r>
+            <a:r>
+              <a:rPr lang="en-US" dirty="0" smtClean="0"/>
+              <a:t>.</a:t>
+            </a:r>
+          </a:p>
+          <a:p>
+            <a:r>
+              <a:rPr lang="en-US" dirty="0">
+                <a:hlinkClick r:id="rId2"/>
+              </a:rPr>
+              <a:t>https://www.epa.gov/ccl/definition-contaminant</a:t>
+            </a:r>
+            <a:endParaRPr lang="en-US" dirty="0"/>
+          </a:p>
+        </p:txBody>
+      </p:sp>
+    </p:spTree>
+    <p:extLst>
+      <p:ext uri="{BB962C8B-B14F-4D97-AF65-F5344CB8AC3E}">
+        <p14:creationId xmlns:p14="http://schemas.microsoft.com/office/powerpoint/2010/main" val="588692917"/>
+      </p:ext>
+    </p:extLst>
+  </p:cSld>
+  <p:clrMapOvr>
+    <a:masterClrMapping/>
+  </p:clrMapOvr>
+  <p:transition>
+    <p:fade/>
+  </p:transition>
 </p:sld>
 </file>
 

--- a/Lectures/Water Quality.pptx
+++ b/Lectures/Water Quality.pptx
@@ -10,13 +10,14 @@
     <p:sldMasterId id="2147483699" r:id="rId6"/>
   </p:sldMasterIdLst>
   <p:notesMasterIdLst>
-    <p:notesMasterId r:id="rId11"/>
+    <p:notesMasterId r:id="rId12"/>
   </p:notesMasterIdLst>
   <p:sldIdLst>
     <p:sldId id="256" r:id="rId7"/>
     <p:sldId id="257" r:id="rId8"/>
     <p:sldId id="258" r:id="rId9"/>
     <p:sldId id="259" r:id="rId10"/>
+    <p:sldId id="260" r:id="rId11"/>
   </p:sldIdLst>
   <p:sldSz cx="12192000" cy="6858000"/>
   <p:notesSz cx="6858000" cy="9144000"/>
@@ -205,7 +206,7 @@
           <a:p>
             <a:fld id="{4BF1D571-48A3-4D6D-A15C-D8F4CDAA8703}" type="datetimeFigureOut">
               <a:rPr lang="en-US" smtClean="0"/>
-              <a:t>1/23/2020</a:t>
+              <a:t>1/26/2020</a:t>
             </a:fld>
             <a:endParaRPr lang="en-US"/>
           </a:p>
@@ -739,7 +740,7 @@
           <a:p>
             <a:fld id="{C95CED01-24E4-4C43-912C-6F6D3D954174}" type="datetimeFigureOut">
               <a:rPr lang="en-US" smtClean="0"/>
-              <a:t>1/23/2020</a:t>
+              <a:t>1/26/2020</a:t>
             </a:fld>
             <a:endParaRPr lang="en-US"/>
           </a:p>
@@ -3534,7 +3535,7 @@
           <a:p>
             <a:fld id="{C95CED01-24E4-4C43-912C-6F6D3D954174}" type="datetimeFigureOut">
               <a:rPr lang="en-US" smtClean="0"/>
-              <a:t>1/23/2020</a:t>
+              <a:t>1/26/2020</a:t>
             </a:fld>
             <a:endParaRPr lang="en-US"/>
           </a:p>
@@ -3798,7 +3799,7 @@
           <a:p>
             <a:fld id="{C95CED01-24E4-4C43-912C-6F6D3D954174}" type="datetimeFigureOut">
               <a:rPr lang="en-US" smtClean="0"/>
-              <a:t>1/23/2020</a:t>
+              <a:t>1/26/2020</a:t>
             </a:fld>
             <a:endParaRPr lang="en-US"/>
           </a:p>
@@ -4027,7 +4028,7 @@
           <a:p>
             <a:fld id="{C95CED01-24E4-4C43-912C-6F6D3D954174}" type="datetimeFigureOut">
               <a:rPr lang="en-US" smtClean="0"/>
-              <a:t>1/23/2020</a:t>
+              <a:t>1/26/2020</a:t>
             </a:fld>
             <a:endParaRPr lang="en-US"/>
           </a:p>
@@ -4330,7 +4331,7 @@
           <a:p>
             <a:fld id="{C95CED01-24E4-4C43-912C-6F6D3D954174}" type="datetimeFigureOut">
               <a:rPr lang="en-US" smtClean="0"/>
-              <a:t>1/23/2020</a:t>
+              <a:t>1/26/2020</a:t>
             </a:fld>
             <a:endParaRPr lang="en-US"/>
           </a:p>
@@ -4772,7 +4773,7 @@
           <a:p>
             <a:fld id="{C95CED01-24E4-4C43-912C-6F6D3D954174}" type="datetimeFigureOut">
               <a:rPr lang="en-US" smtClean="0"/>
-              <a:t>1/23/2020</a:t>
+              <a:t>1/26/2020</a:t>
             </a:fld>
             <a:endParaRPr lang="en-US"/>
           </a:p>
@@ -4905,7 +4906,7 @@
           <a:p>
             <a:fld id="{C95CED01-24E4-4C43-912C-6F6D3D954174}" type="datetimeFigureOut">
               <a:rPr lang="en-US" smtClean="0"/>
-              <a:t>1/23/2020</a:t>
+              <a:t>1/26/2020</a:t>
             </a:fld>
             <a:endParaRPr lang="en-US"/>
           </a:p>
@@ -5015,7 +5016,7 @@
           <a:p>
             <a:fld id="{C95CED01-24E4-4C43-912C-6F6D3D954174}" type="datetimeFigureOut">
               <a:rPr lang="en-US" smtClean="0"/>
-              <a:t>1/23/2020</a:t>
+              <a:t>1/26/2020</a:t>
             </a:fld>
             <a:endParaRPr lang="en-US"/>
           </a:p>
@@ -5161,7 +5162,7 @@
           <a:p>
             <a:fld id="{C95CED01-24E4-4C43-912C-6F6D3D954174}" type="datetimeFigureOut">
               <a:rPr lang="en-US" smtClean="0"/>
-              <a:t>1/23/2020</a:t>
+              <a:t>1/26/2020</a:t>
             </a:fld>
             <a:endParaRPr lang="en-US"/>
           </a:p>
@@ -5961,7 +5962,7 @@
           <a:p>
             <a:fld id="{C95CED01-24E4-4C43-912C-6F6D3D954174}" type="datetimeFigureOut">
               <a:rPr lang="en-US" smtClean="0"/>
-              <a:t>1/23/2020</a:t>
+              <a:t>1/26/2020</a:t>
             </a:fld>
             <a:endParaRPr lang="en-US"/>
           </a:p>
@@ -8969,7 +8970,7 @@
           <a:p>
             <a:fld id="{C95CED01-24E4-4C43-912C-6F6D3D954174}" type="datetimeFigureOut">
               <a:rPr lang="en-US" smtClean="0"/>
-              <a:t>1/23/2020</a:t>
+              <a:t>1/26/2020</a:t>
             </a:fld>
             <a:endParaRPr lang="en-US"/>
           </a:p>
@@ -9220,7 +9221,7 @@
           <a:p>
             <a:fld id="{C95CED01-24E4-4C43-912C-6F6D3D954174}" type="datetimeFigureOut">
               <a:rPr lang="en-US" smtClean="0"/>
-              <a:t>1/23/2020</a:t>
+              <a:t>1/26/2020</a:t>
             </a:fld>
             <a:endParaRPr lang="en-US"/>
           </a:p>
@@ -9330,7 +9331,7 @@
           <a:p>
             <a:fld id="{C95CED01-24E4-4C43-912C-6F6D3D954174}" type="datetimeFigureOut">
               <a:rPr lang="en-US" smtClean="0"/>
-              <a:t>1/23/2020</a:t>
+              <a:t>1/26/2020</a:t>
             </a:fld>
             <a:endParaRPr lang="en-US"/>
           </a:p>
@@ -9476,7 +9477,7 @@
           <a:p>
             <a:fld id="{C95CED01-24E4-4C43-912C-6F6D3D954174}" type="datetimeFigureOut">
               <a:rPr lang="en-US" smtClean="0"/>
-              <a:t>1/23/2020</a:t>
+              <a:t>1/26/2020</a:t>
             </a:fld>
             <a:endParaRPr lang="en-US"/>
           </a:p>
@@ -10229,7 +10230,7 @@
           <a:p>
             <a:fld id="{C95CED01-24E4-4C43-912C-6F6D3D954174}" type="datetimeFigureOut">
               <a:rPr lang="en-US" smtClean="0"/>
-              <a:t>1/23/2020</a:t>
+              <a:t>1/26/2020</a:t>
             </a:fld>
             <a:endParaRPr lang="en-US"/>
           </a:p>
@@ -12497,7 +12498,7 @@
           <a:p>
             <a:fld id="{C95CED01-24E4-4C43-912C-6F6D3D954174}" type="datetimeFigureOut">
               <a:rPr lang="en-US" smtClean="0"/>
-              <a:t>1/23/2020</a:t>
+              <a:t>1/26/2020</a:t>
             </a:fld>
             <a:endParaRPr lang="en-US"/>
           </a:p>
@@ -14781,11 +14782,7 @@
           <a:p>
             <a:r>
               <a:rPr lang="en-US" sz="2800" dirty="0" smtClean="0"/>
-              <a:t>United States Environmental Protection </a:t>
-            </a:r>
-            <a:r>
-              <a:rPr lang="en-US" sz="2800" dirty="0" smtClean="0"/>
-              <a:t>Agency: </a:t>
+              <a:t>United States Environmental Protection Agency: </a:t>
             </a:r>
             <a:r>
               <a:rPr lang="en-US" sz="2800" dirty="0" smtClean="0">
@@ -15876,6 +15873,81 @@
     <p:extLst>
       <p:ext uri="{BB962C8B-B14F-4D97-AF65-F5344CB8AC3E}">
         <p14:creationId xmlns:p14="http://schemas.microsoft.com/office/powerpoint/2010/main" val="588692917"/>
+      </p:ext>
+    </p:extLst>
+  </p:cSld>
+  <p:clrMapOvr>
+    <a:masterClrMapping/>
+  </p:clrMapOvr>
+  <p:transition>
+    <p:fade/>
+  </p:transition>
+</p:sld>
+</file>
+
+<file path=ppt/slides/slide5.xml><?xml version="1.0" encoding="utf-8"?>
+<p:sld xmlns:a="http://schemas.openxmlformats.org/drawingml/2006/main" xmlns:r="http://schemas.openxmlformats.org/officeDocument/2006/relationships" xmlns:p="http://schemas.openxmlformats.org/presentationml/2006/main">
+  <p:cSld>
+    <p:spTree>
+      <p:nvGrpSpPr>
+        <p:cNvPr id="1" name=""/>
+        <p:cNvGrpSpPr/>
+        <p:nvPr/>
+      </p:nvGrpSpPr>
+      <p:grpSpPr>
+        <a:xfrm>
+          <a:off x="0" y="0"/>
+          <a:ext cx="0" cy="0"/>
+          <a:chOff x="0" y="0"/>
+          <a:chExt cx="0" cy="0"/>
+        </a:xfrm>
+      </p:grpSpPr>
+      <p:sp>
+        <p:nvSpPr>
+          <p:cNvPr id="2" name="Title 1"/>
+          <p:cNvSpPr>
+            <a:spLocks noGrp="1"/>
+          </p:cNvSpPr>
+          <p:nvPr>
+            <p:ph type="title"/>
+          </p:nvPr>
+        </p:nvSpPr>
+        <p:spPr/>
+        <p:txBody>
+          <a:bodyPr/>
+          <a:lstStyle/>
+          <a:p>
+            <a:r>
+              <a:rPr lang="en-US" dirty="0" smtClean="0"/>
+              <a:t>Discussion Questions</a:t>
+            </a:r>
+            <a:endParaRPr lang="en-US" dirty="0"/>
+          </a:p>
+        </p:txBody>
+      </p:sp>
+      <p:sp>
+        <p:nvSpPr>
+          <p:cNvPr id="3" name="Content Placeholder 2"/>
+          <p:cNvSpPr>
+            <a:spLocks noGrp="1"/>
+          </p:cNvSpPr>
+          <p:nvPr>
+            <p:ph idx="1"/>
+          </p:nvPr>
+        </p:nvSpPr>
+        <p:spPr/>
+        <p:txBody>
+          <a:bodyPr/>
+          <a:lstStyle/>
+          <a:p>
+            <a:endParaRPr lang="en-US" dirty="0"/>
+          </a:p>
+        </p:txBody>
+      </p:sp>
+    </p:spTree>
+    <p:extLst>
+      <p:ext uri="{BB962C8B-B14F-4D97-AF65-F5344CB8AC3E}">
+        <p14:creationId xmlns:p14="http://schemas.microsoft.com/office/powerpoint/2010/main" val="471151687"/>
       </p:ext>
     </p:extLst>
   </p:cSld>

--- a/Lectures/Water Quality.pptx
+++ b/Lectures/Water Quality.pptx
@@ -10,7 +10,7 @@
     <p:sldMasterId id="2147483699" r:id="rId6"/>
   </p:sldMasterIdLst>
   <p:notesMasterIdLst>
-    <p:notesMasterId r:id="rId12"/>
+    <p:notesMasterId r:id="rId13"/>
   </p:notesMasterIdLst>
   <p:sldIdLst>
     <p:sldId id="256" r:id="rId7"/>
@@ -18,6 +18,7 @@
     <p:sldId id="258" r:id="rId9"/>
     <p:sldId id="259" r:id="rId10"/>
     <p:sldId id="260" r:id="rId11"/>
+    <p:sldId id="261" r:id="rId12"/>
   </p:sldIdLst>
   <p:sldSz cx="12192000" cy="6858000"/>
   <p:notesSz cx="6858000" cy="9144000"/>
@@ -206,7 +207,7 @@
           <a:p>
             <a:fld id="{4BF1D571-48A3-4D6D-A15C-D8F4CDAA8703}" type="datetimeFigureOut">
               <a:rPr lang="en-US" smtClean="0"/>
-              <a:t>1/26/2020</a:t>
+              <a:t>1/28/2020</a:t>
             </a:fld>
             <a:endParaRPr lang="en-US"/>
           </a:p>
@@ -740,7 +741,7 @@
           <a:p>
             <a:fld id="{C95CED01-24E4-4C43-912C-6F6D3D954174}" type="datetimeFigureOut">
               <a:rPr lang="en-US" smtClean="0"/>
-              <a:t>1/26/2020</a:t>
+              <a:t>1/28/2020</a:t>
             </a:fld>
             <a:endParaRPr lang="en-US"/>
           </a:p>
@@ -3535,7 +3536,7 @@
           <a:p>
             <a:fld id="{C95CED01-24E4-4C43-912C-6F6D3D954174}" type="datetimeFigureOut">
               <a:rPr lang="en-US" smtClean="0"/>
-              <a:t>1/26/2020</a:t>
+              <a:t>1/28/2020</a:t>
             </a:fld>
             <a:endParaRPr lang="en-US"/>
           </a:p>
@@ -3799,7 +3800,7 @@
           <a:p>
             <a:fld id="{C95CED01-24E4-4C43-912C-6F6D3D954174}" type="datetimeFigureOut">
               <a:rPr lang="en-US" smtClean="0"/>
-              <a:t>1/26/2020</a:t>
+              <a:t>1/28/2020</a:t>
             </a:fld>
             <a:endParaRPr lang="en-US"/>
           </a:p>
@@ -4028,7 +4029,7 @@
           <a:p>
             <a:fld id="{C95CED01-24E4-4C43-912C-6F6D3D954174}" type="datetimeFigureOut">
               <a:rPr lang="en-US" smtClean="0"/>
-              <a:t>1/26/2020</a:t>
+              <a:t>1/28/2020</a:t>
             </a:fld>
             <a:endParaRPr lang="en-US"/>
           </a:p>
@@ -4331,7 +4332,7 @@
           <a:p>
             <a:fld id="{C95CED01-24E4-4C43-912C-6F6D3D954174}" type="datetimeFigureOut">
               <a:rPr lang="en-US" smtClean="0"/>
-              <a:t>1/26/2020</a:t>
+              <a:t>1/28/2020</a:t>
             </a:fld>
             <a:endParaRPr lang="en-US"/>
           </a:p>
@@ -4773,7 +4774,7 @@
           <a:p>
             <a:fld id="{C95CED01-24E4-4C43-912C-6F6D3D954174}" type="datetimeFigureOut">
               <a:rPr lang="en-US" smtClean="0"/>
-              <a:t>1/26/2020</a:t>
+              <a:t>1/28/2020</a:t>
             </a:fld>
             <a:endParaRPr lang="en-US"/>
           </a:p>
@@ -4906,7 +4907,7 @@
           <a:p>
             <a:fld id="{C95CED01-24E4-4C43-912C-6F6D3D954174}" type="datetimeFigureOut">
               <a:rPr lang="en-US" smtClean="0"/>
-              <a:t>1/26/2020</a:t>
+              <a:t>1/28/2020</a:t>
             </a:fld>
             <a:endParaRPr lang="en-US"/>
           </a:p>
@@ -5016,7 +5017,7 @@
           <a:p>
             <a:fld id="{C95CED01-24E4-4C43-912C-6F6D3D954174}" type="datetimeFigureOut">
               <a:rPr lang="en-US" smtClean="0"/>
-              <a:t>1/26/2020</a:t>
+              <a:t>1/28/2020</a:t>
             </a:fld>
             <a:endParaRPr lang="en-US"/>
           </a:p>
@@ -5162,7 +5163,7 @@
           <a:p>
             <a:fld id="{C95CED01-24E4-4C43-912C-6F6D3D954174}" type="datetimeFigureOut">
               <a:rPr lang="en-US" smtClean="0"/>
-              <a:t>1/26/2020</a:t>
+              <a:t>1/28/2020</a:t>
             </a:fld>
             <a:endParaRPr lang="en-US"/>
           </a:p>
@@ -5962,7 +5963,7 @@
           <a:p>
             <a:fld id="{C95CED01-24E4-4C43-912C-6F6D3D954174}" type="datetimeFigureOut">
               <a:rPr lang="en-US" smtClean="0"/>
-              <a:t>1/26/2020</a:t>
+              <a:t>1/28/2020</a:t>
             </a:fld>
             <a:endParaRPr lang="en-US"/>
           </a:p>
@@ -8970,7 +8971,7 @@
           <a:p>
             <a:fld id="{C95CED01-24E4-4C43-912C-6F6D3D954174}" type="datetimeFigureOut">
               <a:rPr lang="en-US" smtClean="0"/>
-              <a:t>1/26/2020</a:t>
+              <a:t>1/28/2020</a:t>
             </a:fld>
             <a:endParaRPr lang="en-US"/>
           </a:p>
@@ -9221,7 +9222,7 @@
           <a:p>
             <a:fld id="{C95CED01-24E4-4C43-912C-6F6D3D954174}" type="datetimeFigureOut">
               <a:rPr lang="en-US" smtClean="0"/>
-              <a:t>1/26/2020</a:t>
+              <a:t>1/28/2020</a:t>
             </a:fld>
             <a:endParaRPr lang="en-US"/>
           </a:p>
@@ -9331,7 +9332,7 @@
           <a:p>
             <a:fld id="{C95CED01-24E4-4C43-912C-6F6D3D954174}" type="datetimeFigureOut">
               <a:rPr lang="en-US" smtClean="0"/>
-              <a:t>1/26/2020</a:t>
+              <a:t>1/28/2020</a:t>
             </a:fld>
             <a:endParaRPr lang="en-US"/>
           </a:p>
@@ -9477,7 +9478,7 @@
           <a:p>
             <a:fld id="{C95CED01-24E4-4C43-912C-6F6D3D954174}" type="datetimeFigureOut">
               <a:rPr lang="en-US" smtClean="0"/>
-              <a:t>1/26/2020</a:t>
+              <a:t>1/28/2020</a:t>
             </a:fld>
             <a:endParaRPr lang="en-US"/>
           </a:p>
@@ -10230,7 +10231,7 @@
           <a:p>
             <a:fld id="{C95CED01-24E4-4C43-912C-6F6D3D954174}" type="datetimeFigureOut">
               <a:rPr lang="en-US" smtClean="0"/>
-              <a:t>1/26/2020</a:t>
+              <a:t>1/28/2020</a:t>
             </a:fld>
             <a:endParaRPr lang="en-US"/>
           </a:p>
@@ -12498,7 +12499,7 @@
           <a:p>
             <a:fld id="{C95CED01-24E4-4C43-912C-6F6D3D954174}" type="datetimeFigureOut">
               <a:rPr lang="en-US" smtClean="0"/>
-              <a:t>1/26/2020</a:t>
+              <a:t>1/28/2020</a:t>
             </a:fld>
             <a:endParaRPr lang="en-US"/>
           </a:p>
@@ -14806,8 +14807,9 @@
             </a:r>
             <a:r>
               <a:rPr lang="en-US" sz="2400" dirty="0" smtClean="0"/>
-              <a:t>requirements</a:t>
-            </a:r>
+              <a:t>requirements.</a:t>
+            </a:r>
+            <a:endParaRPr lang="en-US" sz="2400" dirty="0" smtClean="0"/>
           </a:p>
           <a:p>
             <a:r>
@@ -15940,6 +15942,34 @@
           <a:bodyPr/>
           <a:lstStyle/>
           <a:p>
+            <a:r>
+              <a:rPr lang="en-US" dirty="0" smtClean="0"/>
+              <a:t>What is the chlorine tradeoff?</a:t>
+            </a:r>
+          </a:p>
+          <a:p>
+            <a:r>
+              <a:rPr lang="en-US" dirty="0" smtClean="0"/>
+              <a:t>How does a water treatment plant control lead in drinking water? (What caused </a:t>
+            </a:r>
+            <a:r>
+              <a:rPr lang="en-US" dirty="0" smtClean="0">
+                <a:hlinkClick r:id="rId2"/>
+              </a:rPr>
+              <a:t>Flint crisis</a:t>
+            </a:r>
+            <a:r>
+              <a:rPr lang="en-US" dirty="0" smtClean="0"/>
+              <a:t>?)</a:t>
+            </a:r>
+          </a:p>
+          <a:p>
+            <a:r>
+              <a:rPr lang="en-US" dirty="0" smtClean="0"/>
+              <a:t> What are some pathogens regulated by Treatment Technique?</a:t>
+            </a:r>
+          </a:p>
+          <a:p>
             <a:endParaRPr lang="en-US" dirty="0"/>
           </a:p>
         </p:txBody>
@@ -15948,6 +15978,106 @@
     <p:extLst>
       <p:ext uri="{BB962C8B-B14F-4D97-AF65-F5344CB8AC3E}">
         <p14:creationId xmlns:p14="http://schemas.microsoft.com/office/powerpoint/2010/main" val="471151687"/>
+      </p:ext>
+    </p:extLst>
+  </p:cSld>
+  <p:clrMapOvr>
+    <a:masterClrMapping/>
+  </p:clrMapOvr>
+  <p:transition>
+    <p:fade/>
+  </p:transition>
+</p:sld>
+</file>
+
+<file path=ppt/slides/slide6.xml><?xml version="1.0" encoding="utf-8"?>
+<p:sld xmlns:a="http://schemas.openxmlformats.org/drawingml/2006/main" xmlns:r="http://schemas.openxmlformats.org/officeDocument/2006/relationships" xmlns:p="http://schemas.openxmlformats.org/presentationml/2006/main">
+  <p:cSld>
+    <p:spTree>
+      <p:nvGrpSpPr>
+        <p:cNvPr id="1" name=""/>
+        <p:cNvGrpSpPr/>
+        <p:nvPr/>
+      </p:nvGrpSpPr>
+      <p:grpSpPr>
+        <a:xfrm>
+          <a:off x="0" y="0"/>
+          <a:ext cx="0" cy="0"/>
+          <a:chOff x="0" y="0"/>
+          <a:chExt cx="0" cy="0"/>
+        </a:xfrm>
+      </p:grpSpPr>
+      <p:sp>
+        <p:nvSpPr>
+          <p:cNvPr id="2" name="Title 1"/>
+          <p:cNvSpPr>
+            <a:spLocks noGrp="1"/>
+          </p:cNvSpPr>
+          <p:nvPr>
+            <p:ph type="title"/>
+          </p:nvPr>
+        </p:nvSpPr>
+        <p:spPr/>
+        <p:txBody>
+          <a:bodyPr/>
+          <a:lstStyle/>
+          <a:p>
+            <a:r>
+              <a:rPr lang="en-US" dirty="0" smtClean="0"/>
+              <a:t>Moving toward Real</a:t>
+            </a:r>
+            <a:endParaRPr lang="en-US" dirty="0"/>
+          </a:p>
+        </p:txBody>
+      </p:sp>
+      <p:sp>
+        <p:nvSpPr>
+          <p:cNvPr id="3" name="Content Placeholder 2"/>
+          <p:cNvSpPr>
+            <a:spLocks noGrp="1"/>
+          </p:cNvSpPr>
+          <p:nvPr>
+            <p:ph idx="1"/>
+          </p:nvPr>
+        </p:nvSpPr>
+        <p:spPr/>
+        <p:txBody>
+          <a:bodyPr/>
+          <a:lstStyle/>
+          <a:p>
+            <a:r>
+              <a:rPr lang="en-US" dirty="0" smtClean="0"/>
+              <a:t>Attendance</a:t>
+            </a:r>
+          </a:p>
+          <a:p>
+            <a:r>
+              <a:rPr lang="en-US" dirty="0" smtClean="0"/>
+              <a:t>Tracking hours</a:t>
+            </a:r>
+          </a:p>
+          <a:p>
+            <a:r>
+              <a:rPr lang="en-US" dirty="0" smtClean="0"/>
+              <a:t>Figuring out how to do new things by using all of your resources (what are our resources?)</a:t>
+            </a:r>
+          </a:p>
+          <a:p>
+            <a:pPr lvl="1"/>
+            <a:endParaRPr lang="en-US" dirty="0" smtClean="0"/>
+          </a:p>
+          <a:p>
+            <a:pPr marL="457200" lvl="1" indent="0">
+              <a:buNone/>
+            </a:pPr>
+            <a:endParaRPr lang="en-US" dirty="0"/>
+          </a:p>
+        </p:txBody>
+      </p:sp>
+    </p:spTree>
+    <p:extLst>
+      <p:ext uri="{BB962C8B-B14F-4D97-AF65-F5344CB8AC3E}">
+        <p14:creationId xmlns:p14="http://schemas.microsoft.com/office/powerpoint/2010/main" val="1268766974"/>
       </p:ext>
     </p:extLst>
   </p:cSld>

--- a/Lectures/Water Quality.pptx
+++ b/Lectures/Water Quality.pptx
@@ -14683,6 +14683,13 @@
   <p:transition>
     <p:fade/>
   </p:transition>
+  <p:timing>
+    <p:tnLst>
+      <p:par>
+        <p:cTn id="1" dur="indefinite" restart="never" nodeType="tmRoot"/>
+      </p:par>
+    </p:tnLst>
+  </p:timing>
 </p:sld>
 </file>
 
@@ -14809,7 +14816,6 @@
               <a:rPr lang="en-US" sz="2400" dirty="0" smtClean="0"/>
               <a:t>requirements.</a:t>
             </a:r>
-            <a:endParaRPr lang="en-US" sz="2400" dirty="0" smtClean="0"/>
           </a:p>
           <a:p>
             <a:r>
@@ -14839,6 +14845,13 @@
   <p:transition>
     <p:fade/>
   </p:transition>
+  <p:timing>
+    <p:tnLst>
+      <p:par>
+        <p:cTn id="1" dur="indefinite" restart="never" nodeType="tmRoot"/>
+      </p:par>
+    </p:tnLst>
+  </p:timing>
 </p:sld>
 </file>
 
@@ -15884,6 +15897,13 @@
   <p:transition>
     <p:fade/>
   </p:transition>
+  <p:timing>
+    <p:tnLst>
+      <p:par>
+        <p:cTn id="1" dur="indefinite" restart="never" nodeType="tmRoot"/>
+      </p:par>
+    </p:tnLst>
+  </p:timing>
 </p:sld>
 </file>
 
@@ -15987,6 +16007,13 @@
   <p:transition>
     <p:fade/>
   </p:transition>
+  <p:timing>
+    <p:tnLst>
+      <p:par>
+        <p:cTn id="1" dur="indefinite" restart="never" nodeType="tmRoot"/>
+      </p:par>
+    </p:tnLst>
+  </p:timing>
 </p:sld>
 </file>
 
@@ -16063,6 +16090,12 @@
             </a:r>
           </a:p>
           <a:p>
+            <a:r>
+              <a:rPr lang="en-US" dirty="0" smtClean="0"/>
+              <a:t>Thinking about efficiency (billable hours…)</a:t>
+            </a:r>
+          </a:p>
+          <a:p>
             <a:pPr lvl="1"/>
             <a:endParaRPr lang="en-US" dirty="0" smtClean="0"/>
           </a:p>
@@ -16087,6 +16120,13 @@
   <p:transition>
     <p:fade/>
   </p:transition>
+  <p:timing>
+    <p:tnLst>
+      <p:par>
+        <p:cTn id="1" dur="indefinite" restart="never" nodeType="tmRoot"/>
+      </p:par>
+    </p:tnLst>
+  </p:timing>
 </p:sld>
 </file>
 
